--- a/中間発表後企画書.pptx
+++ b/中間発表後企画書.pptx
@@ -106,6 +106,11 @@
       </a:defRPr>
     </a:lvl9pPr>
   </p:defaultTextStyle>
+  <p:extLst>
+    <p:ext uri="{EFAFB233-063F-42B5-8137-9DF3F51BA10A}">
+      <p15:sldGuideLst xmlns:p15="http://schemas.microsoft.com/office/powerpoint/2012/main"/>
+    </p:ext>
+  </p:extLst>
 </p:presentation>
 </file>
 
@@ -240,7 +245,7 @@
           <a:p>
             <a:fld id="{8774C291-9226-4EE3-9FAE-450148414660}" type="datetimeFigureOut">
               <a:rPr kumimoji="1" lang="ja-JP" altLang="en-US" smtClean="0"/>
-              <a:t>2023/3/15</a:t>
+              <a:t>2023/3/22</a:t>
             </a:fld>
             <a:endParaRPr kumimoji="1" lang="ja-JP" altLang="en-US"/>
           </a:p>
@@ -442,7 +447,7 @@
           <a:p>
             <a:fld id="{8774C291-9226-4EE3-9FAE-450148414660}" type="datetimeFigureOut">
               <a:rPr kumimoji="1" lang="ja-JP" altLang="en-US" smtClean="0"/>
-              <a:t>2023/3/15</a:t>
+              <a:t>2023/3/22</a:t>
             </a:fld>
             <a:endParaRPr kumimoji="1" lang="ja-JP" altLang="en-US"/>
           </a:p>
@@ -654,7 +659,7 @@
           <a:p>
             <a:fld id="{8774C291-9226-4EE3-9FAE-450148414660}" type="datetimeFigureOut">
               <a:rPr kumimoji="1" lang="ja-JP" altLang="en-US" smtClean="0"/>
-              <a:t>2023/3/15</a:t>
+              <a:t>2023/3/22</a:t>
             </a:fld>
             <a:endParaRPr kumimoji="1" lang="ja-JP" altLang="en-US"/>
           </a:p>
@@ -856,7 +861,7 @@
           <a:p>
             <a:fld id="{8774C291-9226-4EE3-9FAE-450148414660}" type="datetimeFigureOut">
               <a:rPr kumimoji="1" lang="ja-JP" altLang="en-US" smtClean="0"/>
-              <a:t>2023/3/15</a:t>
+              <a:t>2023/3/22</a:t>
             </a:fld>
             <a:endParaRPr kumimoji="1" lang="ja-JP" altLang="en-US"/>
           </a:p>
@@ -1102,7 +1107,7 @@
           <a:p>
             <a:fld id="{8774C291-9226-4EE3-9FAE-450148414660}" type="datetimeFigureOut">
               <a:rPr kumimoji="1" lang="ja-JP" altLang="en-US" smtClean="0"/>
-              <a:t>2023/3/15</a:t>
+              <a:t>2023/3/22</a:t>
             </a:fld>
             <a:endParaRPr kumimoji="1" lang="ja-JP" altLang="en-US"/>
           </a:p>
@@ -1398,7 +1403,7 @@
           <a:p>
             <a:fld id="{8774C291-9226-4EE3-9FAE-450148414660}" type="datetimeFigureOut">
               <a:rPr kumimoji="1" lang="ja-JP" altLang="en-US" smtClean="0"/>
-              <a:t>2023/3/15</a:t>
+              <a:t>2023/3/22</a:t>
             </a:fld>
             <a:endParaRPr kumimoji="1" lang="ja-JP" altLang="en-US"/>
           </a:p>
@@ -1829,7 +1834,7 @@
           <a:p>
             <a:fld id="{8774C291-9226-4EE3-9FAE-450148414660}" type="datetimeFigureOut">
               <a:rPr kumimoji="1" lang="ja-JP" altLang="en-US" smtClean="0"/>
-              <a:t>2023/3/15</a:t>
+              <a:t>2023/3/22</a:t>
             </a:fld>
             <a:endParaRPr kumimoji="1" lang="ja-JP" altLang="en-US"/>
           </a:p>
@@ -1947,7 +1952,7 @@
           <a:p>
             <a:fld id="{8774C291-9226-4EE3-9FAE-450148414660}" type="datetimeFigureOut">
               <a:rPr kumimoji="1" lang="ja-JP" altLang="en-US" smtClean="0"/>
-              <a:t>2023/3/15</a:t>
+              <a:t>2023/3/22</a:t>
             </a:fld>
             <a:endParaRPr kumimoji="1" lang="ja-JP" altLang="en-US"/>
           </a:p>
@@ -2042,7 +2047,7 @@
           <a:p>
             <a:fld id="{8774C291-9226-4EE3-9FAE-450148414660}" type="datetimeFigureOut">
               <a:rPr kumimoji="1" lang="ja-JP" altLang="en-US" smtClean="0"/>
-              <a:t>2023/3/15</a:t>
+              <a:t>2023/3/22</a:t>
             </a:fld>
             <a:endParaRPr kumimoji="1" lang="ja-JP" altLang="en-US"/>
           </a:p>
@@ -2351,7 +2356,7 @@
           <a:p>
             <a:fld id="{8774C291-9226-4EE3-9FAE-450148414660}" type="datetimeFigureOut">
               <a:rPr kumimoji="1" lang="ja-JP" altLang="en-US" smtClean="0"/>
-              <a:t>2023/3/15</a:t>
+              <a:t>2023/3/22</a:t>
             </a:fld>
             <a:endParaRPr kumimoji="1" lang="ja-JP" altLang="en-US"/>
           </a:p>
@@ -2604,7 +2609,7 @@
           <a:p>
             <a:fld id="{8774C291-9226-4EE3-9FAE-450148414660}" type="datetimeFigureOut">
               <a:rPr kumimoji="1" lang="ja-JP" altLang="en-US" smtClean="0"/>
-              <a:t>2023/3/15</a:t>
+              <a:t>2023/3/22</a:t>
             </a:fld>
             <a:endParaRPr kumimoji="1" lang="ja-JP" altLang="en-US"/>
           </a:p>
@@ -2849,7 +2854,7 @@
           <a:p>
             <a:fld id="{8774C291-9226-4EE3-9FAE-450148414660}" type="datetimeFigureOut">
               <a:rPr kumimoji="1" lang="ja-JP" altLang="en-US" smtClean="0"/>
-              <a:t>2023/3/15</a:t>
+              <a:t>2023/3/22</a:t>
             </a:fld>
             <a:endParaRPr kumimoji="1" lang="ja-JP" altLang="en-US"/>
           </a:p>
